--- a/cv/扬州大学申请材料/4.扬州大学拟进人员及随调家属PPT.pptx
+++ b/cv/扬州大学申请材料/4.扬州大学拟进人员及随调家属PPT.pptx
@@ -4458,15 +4458,15 @@
               <a:defRPr/>
             </a:pPr>
             <a:r>
-              <a:rPr lang="zh-CN" altLang="en-US" sz="3600" b="1">
+              <a:rPr lang="zh-CN" altLang="en-US" sz="2800" b="1" dirty="0">
                 <a:latin typeface="黑体" panose="02010609060101010101" charset="-122"/>
                 <a:ea typeface="黑体" panose="02010609060101010101" charset="-122"/>
                 <a:sym typeface="+mn-ea"/>
               </a:rPr>
-              <a:t>**学院</a:t>
-            </a:r>
-            <a:r>
-              <a:rPr kumimoji="0" lang="zh-CN" altLang="en-US" sz="3600" b="1" i="0" u="none" strike="noStrike" kern="0" cap="none" spc="0" normalizeH="0" baseline="0" noProof="0" dirty="0">
+              <a:t>新闻与传媒学院</a:t>
+            </a:r>
+            <a:r>
+              <a:rPr kumimoji="0" lang="zh-CN" altLang="en-US" sz="2800" b="1" i="0" u="none" strike="noStrike" kern="0" cap="none" spc="0" normalizeH="0" baseline="0" noProof="0" dirty="0">
                 <a:ln>
                   <a:noFill/>
                 </a:ln>
@@ -4480,16 +4480,9 @@
                 <a:ea typeface="黑体" panose="02010609060101010101" charset="-122"/>
                 <a:cs typeface="+mj-cs"/>
               </a:rPr>
-              <a:t>拟录用人员：</a:t>
-            </a:r>
-            <a:r>
-              <a:rPr lang="zh-CN" altLang="en-US" sz="3600" b="1">
-                <a:latin typeface="黑体" panose="02010609060101010101" charset="-122"/>
-                <a:ea typeface="黑体" panose="02010609060101010101" charset="-122"/>
-              </a:rPr>
-              <a:t>**</a:t>
-            </a:r>
-            <a:endParaRPr kumimoji="0" lang="zh-CN" altLang="en-US" sz="3600" b="1" i="0" u="none" strike="noStrike" kern="0" cap="none" spc="0" normalizeH="0" baseline="0" noProof="0" dirty="0">
+              <a:t>拟录用人员：凤黄浩</a:t>
+            </a:r>
+            <a:endParaRPr kumimoji="0" lang="zh-CN" altLang="en-US" sz="2800" b="1" i="0" u="none" strike="noStrike" kern="0" cap="none" spc="0" normalizeH="0" baseline="0" noProof="0" dirty="0">
               <a:ln>
                 <a:noFill/>
               </a:ln>
@@ -4544,7 +4537,7 @@
               </a:spcAft>
             </a:pPr>
             <a:r>
-              <a:rPr lang="zh-CN" altLang="en-US" b="1" dirty="0">
+              <a:rPr lang="zh-CN" altLang="en-US" b="1">
                 <a:solidFill>
                   <a:srgbClr val="006666"/>
                 </a:solidFill>
@@ -4554,7 +4547,7 @@
               <a:t>年龄：</a:t>
             </a:r>
             <a:r>
-              <a:rPr lang="en-US" altLang="zh-CN" b="1" dirty="0">
+              <a:rPr lang="en-US" altLang="zh-CN" b="1">
                 <a:solidFill>
                   <a:srgbClr val="006666"/>
                 </a:solidFill>
@@ -4564,14 +4557,14 @@
               <a:t>33</a:t>
             </a:r>
             <a:r>
-              <a:rPr lang="zh-CN" altLang="en-US" b="1" dirty="0">
+              <a:rPr lang="zh-CN" altLang="en-US" b="1">
                 <a:latin typeface="黑体" panose="02010609060101010101" charset="-122"/>
                 <a:ea typeface="黑体" panose="02010609060101010101" charset="-122"/>
               </a:rPr>
               <a:t>周岁    </a:t>
             </a:r>
             <a:r>
-              <a:rPr lang="zh-CN" altLang="en-US" b="1" dirty="0">
+              <a:rPr lang="zh-CN" altLang="en-US" b="1">
                 <a:solidFill>
                   <a:srgbClr val="006666"/>
                 </a:solidFill>
@@ -4581,7 +4574,7 @@
               <a:t>身高： </a:t>
             </a:r>
             <a:r>
-              <a:rPr lang="en-US" altLang="zh-CN" b="1" dirty="0">
+              <a:rPr lang="en-US" altLang="zh-CN" b="1">
                 <a:solidFill>
                   <a:srgbClr val="006666"/>
                 </a:solidFill>
@@ -4591,7 +4584,7 @@
               <a:t>170</a:t>
             </a:r>
             <a:r>
-              <a:rPr lang="en-US" altLang="zh-CN" b="1" dirty="0">
+              <a:rPr lang="en-US" altLang="zh-CN" b="1">
                 <a:solidFill>
                   <a:schemeClr val="tx1"/>
                 </a:solidFill>
@@ -4613,7 +4606,7 @@
                 <a:spcPts val="0"/>
               </a:spcAft>
             </a:pPr>
-            <a:endParaRPr lang="zh-CN" altLang="en-US" b="1" dirty="0">
+            <a:endParaRPr lang="zh-CN" altLang="en-US" b="1">
               <a:solidFill>
                 <a:srgbClr val="006666"/>
               </a:solidFill>
@@ -4634,7 +4627,7 @@
               </a:spcAft>
             </a:pPr>
             <a:r>
-              <a:rPr lang="zh-CN" altLang="en-US" b="1" dirty="0">
+              <a:rPr lang="zh-CN" altLang="en-US" b="1">
                 <a:solidFill>
                   <a:srgbClr val="006666"/>
                 </a:solidFill>
@@ -4657,80 +4650,70 @@
               </a:spcAft>
             </a:pPr>
             <a:r>
-              <a:rPr lang="en-US" altLang="zh-CN" b="1" dirty="0">
+              <a:rPr lang="en-US" altLang="zh-CN" b="1">
                 <a:latin typeface="黑体" panose="02010609060101010101" charset="-122"/>
                 <a:ea typeface="黑体" panose="02010609060101010101" charset="-122"/>
               </a:rPr>
               <a:t>2007.</a:t>
             </a:r>
             <a:r>
-              <a:rPr b="1" dirty="0">
+              <a:rPr lang="en-US" altLang="zh-CN" b="1">
                 <a:solidFill>
                   <a:schemeClr val="tx1"/>
                 </a:solidFill>
                 <a:latin typeface="黑体" panose="02010609060101010101" charset="-122"/>
                 <a:ea typeface="黑体" panose="02010609060101010101" charset="-122"/>
               </a:rPr>
-              <a:t>09-</a:t>
-            </a:r>
-            <a:r>
-              <a:rPr lang="en-US" b="1" dirty="0">
+              <a:t>09-2009.07    </a:t>
+            </a:r>
+            <a:r>
+              <a:rPr lang="zh-CN" altLang="en-US" b="1">
                 <a:solidFill>
                   <a:schemeClr val="tx1"/>
                 </a:solidFill>
                 <a:latin typeface="黑体" panose="02010609060101010101" charset="-122"/>
                 <a:ea typeface="黑体" panose="02010609060101010101" charset="-122"/>
               </a:rPr>
-              <a:t>2009</a:t>
-            </a:r>
-            <a:r>
-              <a:rPr b="1" dirty="0">
+              <a:t>专科</a:t>
+            </a:r>
+          </a:p>
+          <a:p>
+            <a:pPr lvl="0">
+              <a:lnSpc>
+                <a:spcPct val="90000"/>
+              </a:lnSpc>
+              <a:spcBef>
+                <a:spcPts val="50"/>
+              </a:spcBef>
+              <a:spcAft>
+                <a:spcPts val="0"/>
+              </a:spcAft>
+            </a:pPr>
+            <a:r>
+              <a:rPr lang="zh-CN" altLang="en-US" b="1">
+                <a:latin typeface="黑体" panose="02010609060101010101" charset="-122"/>
+                <a:ea typeface="黑体" panose="02010609060101010101" charset="-122"/>
+              </a:rPr>
+              <a:t>江苏信息职业技术学院</a:t>
+            </a:r>
+            <a:r>
+              <a:rPr lang="zh-CN" altLang="en-US" b="1">
                 <a:solidFill>
                   <a:schemeClr val="tx1"/>
                 </a:solidFill>
                 <a:latin typeface="黑体" panose="02010609060101010101" charset="-122"/>
                 <a:ea typeface="黑体" panose="02010609060101010101" charset="-122"/>
               </a:rPr>
-              <a:t>.07    专科</a:t>
-            </a:r>
-          </a:p>
-          <a:p>
-            <a:pPr lvl="0">
-              <a:lnSpc>
-                <a:spcPct val="90000"/>
-              </a:lnSpc>
-              <a:spcBef>
-                <a:spcPts val="50"/>
-              </a:spcBef>
-              <a:spcAft>
-                <a:spcPts val="0"/>
-              </a:spcAft>
-            </a:pPr>
-            <a:r>
-              <a:rPr lang="zh-CN" altLang="en-US" b="1" dirty="0">
+              <a:t> </a:t>
+            </a:r>
+            <a:r>
+              <a:rPr lang="zh-CN" altLang="en-US" b="1">
                 <a:latin typeface="黑体" panose="02010609060101010101" charset="-122"/>
                 <a:ea typeface="黑体" panose="02010609060101010101" charset="-122"/>
               </a:rPr>
-              <a:t>江苏信息职业技术学院</a:t>
-            </a:r>
-            <a:r>
-              <a:rPr b="1" dirty="0">
-                <a:solidFill>
-                  <a:schemeClr val="tx1"/>
-                </a:solidFill>
-                <a:latin typeface="黑体" panose="02010609060101010101" charset="-122"/>
-                <a:ea typeface="黑体" panose="02010609060101010101" charset="-122"/>
-              </a:rPr>
-              <a:t> </a:t>
-            </a:r>
-            <a:r>
-              <a:rPr lang="zh-CN" altLang="en-US" b="1" dirty="0">
-                <a:latin typeface="黑体" panose="02010609060101010101" charset="-122"/>
-                <a:ea typeface="黑体" panose="02010609060101010101" charset="-122"/>
-              </a:rPr>
               <a:t>数控设备应用与维护</a:t>
             </a:r>
-            <a:endParaRPr b="1" dirty="0">
+            <a:endParaRPr lang="zh-CN" altLang="en-US" b="1">
               <a:solidFill>
                 <a:schemeClr val="tx1"/>
               </a:solidFill>
@@ -4751,14 +4734,14 @@
               </a:spcAft>
             </a:pPr>
             <a:r>
-              <a:rPr lang="en-US" altLang="zh-CN" b="1" dirty="0">
+              <a:rPr lang="en-US" altLang="zh-CN" b="1">
                 <a:latin typeface="黑体" panose="02010609060101010101" charset="-122"/>
                 <a:ea typeface="黑体" panose="02010609060101010101" charset="-122"/>
               </a:rPr>
               <a:t>2009.09-2011.07    </a:t>
             </a:r>
             <a:r>
-              <a:rPr b="1" dirty="0" err="1">
+              <a:rPr lang="zh-CN" altLang="en-US" b="1">
                 <a:solidFill>
                   <a:schemeClr val="tx1"/>
                 </a:solidFill>
@@ -4767,7 +4750,27 @@
               </a:rPr>
               <a:t>本科</a:t>
             </a:r>
-            <a:endParaRPr lang="en-US" b="1" dirty="0">
+          </a:p>
+          <a:p>
+            <a:pPr lvl="0">
+              <a:lnSpc>
+                <a:spcPct val="90000"/>
+              </a:lnSpc>
+              <a:spcBef>
+                <a:spcPts val="50"/>
+              </a:spcBef>
+              <a:spcAft>
+                <a:spcPts val="0"/>
+              </a:spcAft>
+            </a:pPr>
+            <a:r>
+              <a:rPr lang="zh-CN" altLang="en-US" b="1">
+                <a:latin typeface="黑体" panose="02010609060101010101" charset="-122"/>
+                <a:ea typeface="黑体" panose="02010609060101010101" charset="-122"/>
+              </a:rPr>
+              <a:t>苏州科技大学 电子信息工程</a:t>
+            </a:r>
+            <a:endParaRPr lang="zh-CN" altLang="en-US" b="1">
               <a:solidFill>
                 <a:schemeClr val="tx1"/>
               </a:solidFill>
@@ -4788,41 +4791,14 @@
               </a:spcAft>
             </a:pPr>
             <a:r>
-              <a:rPr lang="zh-CN" altLang="en-US" b="1" dirty="0">
+              <a:rPr lang="en-US" altLang="zh-CN" b="1">
                 <a:latin typeface="黑体" panose="02010609060101010101" charset="-122"/>
                 <a:ea typeface="黑体" panose="02010609060101010101" charset="-122"/>
               </a:rPr>
-              <a:t>苏州科技大学 电子信息工程</a:t>
-            </a:r>
-            <a:endParaRPr b="1" dirty="0">
-              <a:solidFill>
-                <a:schemeClr val="tx1"/>
-              </a:solidFill>
-              <a:latin typeface="黑体" panose="02010609060101010101" charset="-122"/>
-              <a:ea typeface="黑体" panose="02010609060101010101" charset="-122"/>
-            </a:endParaRPr>
-          </a:p>
-          <a:p>
-            <a:pPr lvl="0">
-              <a:lnSpc>
-                <a:spcPct val="90000"/>
-              </a:lnSpc>
-              <a:spcBef>
-                <a:spcPts val="50"/>
-              </a:spcBef>
-              <a:spcAft>
-                <a:spcPts val="0"/>
-              </a:spcAft>
-            </a:pPr>
-            <a:r>
-              <a:rPr lang="en-US" altLang="zh-CN" b="1" dirty="0">
-                <a:latin typeface="黑体" panose="02010609060101010101" charset="-122"/>
-                <a:ea typeface="黑体" panose="02010609060101010101" charset="-122"/>
-              </a:rPr>
               <a:t>2011.09-2014.07    </a:t>
             </a:r>
             <a:r>
-              <a:rPr b="1" dirty="0" err="1">
+              <a:rPr lang="zh-CN" altLang="en-US" b="1">
                 <a:solidFill>
                   <a:schemeClr val="tx1"/>
                 </a:solidFill>
@@ -4831,13 +4807,6 @@
               </a:rPr>
               <a:t>硕士</a:t>
             </a:r>
-            <a:endParaRPr b="1" dirty="0">
-              <a:solidFill>
-                <a:schemeClr val="tx1"/>
-              </a:solidFill>
-              <a:latin typeface="黑体" panose="02010609060101010101" charset="-122"/>
-              <a:ea typeface="黑体" panose="02010609060101010101" charset="-122"/>
-            </a:endParaRPr>
           </a:p>
           <a:p>
             <a:pPr lvl="0">
@@ -4852,7 +4821,7 @@
               </a:spcAft>
             </a:pPr>
             <a:r>
-              <a:rPr lang="zh-CN" altLang="en-US" b="1" dirty="0">
+              <a:rPr lang="zh-CN" altLang="en-US" b="1">
                 <a:latin typeface="黑体" panose="02010609060101010101" charset="-122"/>
                 <a:ea typeface="黑体" panose="02010609060101010101" charset="-122"/>
               </a:rPr>
@@ -4872,14 +4841,14 @@
               </a:spcAft>
             </a:pPr>
             <a:r>
-              <a:rPr lang="en-US" altLang="zh-CN" b="1" dirty="0">
+              <a:rPr lang="en-US" altLang="zh-CN" b="1">
                 <a:latin typeface="黑体" panose="02010609060101010101" charset="-122"/>
                 <a:ea typeface="黑体" panose="02010609060101010101" charset="-122"/>
               </a:rPr>
               <a:t>2015.09-2020.07    </a:t>
             </a:r>
             <a:r>
-              <a:rPr lang="zh-CN" altLang="en-US" b="1" dirty="0">
+              <a:rPr lang="zh-CN" altLang="en-US" b="1">
                 <a:solidFill>
                   <a:schemeClr val="tx1"/>
                 </a:solidFill>
@@ -4902,7 +4871,7 @@
               </a:spcAft>
             </a:pPr>
             <a:r>
-              <a:rPr lang="zh-CN" altLang="en-US" b="1" dirty="0">
+              <a:rPr lang="zh-CN" altLang="en-US" b="1">
                 <a:latin typeface="黑体" panose="02010609060101010101" charset="-122"/>
                 <a:ea typeface="黑体" panose="02010609060101010101" charset="-122"/>
               </a:rPr>
@@ -4921,7 +4890,7 @@
                 <a:spcPts val="0"/>
               </a:spcAft>
             </a:pPr>
-            <a:endParaRPr lang="zh-CN" altLang="en-US" b="1" dirty="0">
+            <a:endParaRPr lang="zh-CN" altLang="en-US" b="1">
               <a:solidFill>
                 <a:srgbClr val="006666"/>
               </a:solidFill>
@@ -4943,7 +4912,7 @@
               </a:spcAft>
             </a:pPr>
             <a:r>
-              <a:rPr lang="zh-CN" altLang="en-US" b="1" dirty="0">
+              <a:rPr lang="zh-CN" altLang="en-US" b="1">
                 <a:solidFill>
                   <a:srgbClr val="006666"/>
                 </a:solidFill>
@@ -4953,7 +4922,7 @@
               </a:rPr>
               <a:t>工作经历：</a:t>
             </a:r>
-            <a:endParaRPr b="1" dirty="0">
+            <a:endParaRPr lang="zh-CN" altLang="en-US" b="1">
               <a:solidFill>
                 <a:schemeClr val="tx1"/>
               </a:solidFill>
@@ -4974,23 +4943,19 @@
               </a:spcAft>
             </a:pPr>
             <a:r>
-              <a:rPr lang="en-US" altLang="zh-CN" b="1" dirty="0">
+              <a:rPr lang="en-US" altLang="zh-CN" b="1">
                 <a:latin typeface="黑体" panose="02010609060101010101" charset="-122"/>
                 <a:ea typeface="黑体" panose="02010609060101010101" charset="-122"/>
               </a:rPr>
               <a:t>2012.01-2014.04     </a:t>
             </a:r>
             <a:r>
-              <a:rPr lang="zh-CN" altLang="en-US" b="1" dirty="0">
+              <a:rPr lang="zh-CN" altLang="en-US" b="1">
                 <a:latin typeface="黑体" panose="02010609060101010101" charset="-122"/>
                 <a:ea typeface="黑体" panose="02010609060101010101" charset="-122"/>
               </a:rPr>
               <a:t>助理研究员</a:t>
             </a:r>
-            <a:endParaRPr lang="en-US" altLang="zh-CN" b="1" dirty="0">
-              <a:latin typeface="黑体" panose="02010609060101010101" charset="-122"/>
-              <a:ea typeface="黑体" panose="02010609060101010101" charset="-122"/>
-            </a:endParaRPr>
           </a:p>
           <a:p>
             <a:pPr>
@@ -5005,23 +4970,19 @@
               </a:spcAft>
             </a:pPr>
             <a:r>
-              <a:rPr lang="en-US" altLang="zh-CN" b="1" dirty="0">
+              <a:rPr lang="en-US" altLang="zh-CN" b="1">
                 <a:latin typeface="黑体" panose="02010609060101010101" charset="-122"/>
                 <a:ea typeface="黑体" panose="02010609060101010101" charset="-122"/>
               </a:rPr>
               <a:t>2014.08-2015.08     SVVSD</a:t>
             </a:r>
             <a:r>
-              <a:rPr lang="zh-CN" altLang="en-US" b="1" dirty="0">
+              <a:rPr lang="zh-CN" altLang="en-US" b="1">
                 <a:latin typeface="黑体" panose="02010609060101010101" charset="-122"/>
                 <a:ea typeface="黑体" panose="02010609060101010101" charset="-122"/>
               </a:rPr>
               <a:t>讲师，技术顾问</a:t>
             </a:r>
-            <a:endParaRPr lang="en-US" altLang="zh-CN" b="1" dirty="0">
-              <a:latin typeface="黑体" panose="02010609060101010101" charset="-122"/>
-              <a:ea typeface="黑体" panose="02010609060101010101" charset="-122"/>
-            </a:endParaRPr>
           </a:p>
           <a:p>
             <a:pPr>
@@ -5036,23 +4997,19 @@
               </a:spcAft>
             </a:pPr>
             <a:r>
-              <a:rPr lang="en-US" altLang="zh-CN" b="1" dirty="0">
+              <a:rPr lang="en-US" altLang="zh-CN" b="1">
                 <a:latin typeface="黑体" panose="02010609060101010101" charset="-122"/>
                 <a:ea typeface="黑体" panose="02010609060101010101" charset="-122"/>
               </a:rPr>
               <a:t>2015.09-2020.06     </a:t>
             </a:r>
             <a:r>
-              <a:rPr lang="zh-CN" altLang="en-US" b="1" dirty="0">
+              <a:rPr lang="zh-CN" altLang="en-US" b="1">
                 <a:latin typeface="黑体" panose="02010609060101010101" charset="-122"/>
                 <a:ea typeface="黑体" panose="02010609060101010101" charset="-122"/>
               </a:rPr>
               <a:t>助教，助理研究员</a:t>
             </a:r>
-            <a:endParaRPr lang="en-US" altLang="zh-CN" b="1" dirty="0">
-              <a:latin typeface="黑体" panose="02010609060101010101" charset="-122"/>
-              <a:ea typeface="黑体" panose="02010609060101010101" charset="-122"/>
-            </a:endParaRPr>
           </a:p>
           <a:p>
             <a:pPr lvl="0">
@@ -5067,50 +5024,30 @@
               </a:spcAft>
             </a:pPr>
             <a:r>
-              <a:rPr lang="en-US" altLang="zh-CN" b="1" dirty="0">
+              <a:rPr lang="en-US" altLang="zh-CN" b="1">
                 <a:latin typeface="黑体" panose="02010609060101010101" charset="-122"/>
                 <a:ea typeface="黑体" panose="02010609060101010101" charset="-122"/>
               </a:rPr>
               <a:t>2019.09-2020.06</a:t>
             </a:r>
             <a:r>
-              <a:rPr b="1" dirty="0">
+              <a:rPr lang="zh-CN" altLang="en-US" b="1">
                 <a:solidFill>
                   <a:schemeClr val="tx1"/>
                 </a:solidFill>
                 <a:latin typeface="黑体" panose="02010609060101010101" charset="-122"/>
                 <a:ea typeface="黑体" panose="02010609060101010101" charset="-122"/>
               </a:rPr>
-              <a:t>    </a:t>
-            </a:r>
-            <a:r>
-              <a:rPr lang="en-US" b="1" dirty="0">
-                <a:solidFill>
-                  <a:schemeClr val="tx1"/>
-                </a:solidFill>
+              <a:t>     丹佛</a:t>
+            </a:r>
+            <a:r>
+              <a:rPr lang="zh-CN" altLang="en-US" b="1">
                 <a:latin typeface="黑体" panose="02010609060101010101" charset="-122"/>
                 <a:ea typeface="黑体" panose="02010609060101010101" charset="-122"/>
               </a:rPr>
-              <a:t> </a:t>
-            </a:r>
-            <a:r>
-              <a:rPr lang="zh-CN" altLang="en-US" b="1" dirty="0">
-                <a:solidFill>
-                  <a:schemeClr val="tx1"/>
-                </a:solidFill>
-                <a:latin typeface="黑体" panose="02010609060101010101" charset="-122"/>
-                <a:ea typeface="黑体" panose="02010609060101010101" charset="-122"/>
-              </a:rPr>
-              <a:t>丹佛</a:t>
-            </a:r>
-            <a:r>
-              <a:rPr lang="zh-CN" altLang="en-US" b="1" dirty="0">
-                <a:latin typeface="黑体" panose="02010609060101010101" charset="-122"/>
-                <a:ea typeface="黑体" panose="02010609060101010101" charset="-122"/>
-              </a:rPr>
               <a:t>大学讲师</a:t>
             </a:r>
-            <a:endParaRPr b="1" dirty="0">
+            <a:endParaRPr lang="zh-CN" altLang="en-US" b="1">
               <a:solidFill>
                 <a:schemeClr val="tx1"/>
               </a:solidFill>
@@ -5130,7 +5067,7 @@
                 <a:spcPts val="0"/>
               </a:spcAft>
             </a:pPr>
-            <a:endParaRPr lang="zh-CN" altLang="en-US" b="1" dirty="0">
+            <a:endParaRPr lang="zh-CN" altLang="en-US" b="1">
               <a:solidFill>
                 <a:srgbClr val="006666"/>
               </a:solidFill>
@@ -5158,69 +5095,42 @@
           </a:p>
         </p:txBody>
       </p:sp>
-      <p:sp>
-        <p:nvSpPr>
-          <p:cNvPr id="3" name="矩形 2"/>
-          <p:cNvSpPr/>
+      <p:pic>
+        <p:nvPicPr>
+          <p:cNvPr id="4" name="Picture 3" descr="A person looking at the camera&#10;&#10;Description automatically generated">
+            <a:extLst>
+              <a:ext uri="{FF2B5EF4-FFF2-40B4-BE49-F238E27FC236}">
+                <a16:creationId xmlns:a16="http://schemas.microsoft.com/office/drawing/2014/main" id="{01BB3563-B4FD-4AD4-84FA-4B07A03B3E39}"/>
+              </a:ext>
+            </a:extLst>
+          </p:cNvPr>
+          <p:cNvPicPr>
+            <a:picLocks noChangeAspect="1"/>
+          </p:cNvPicPr>
           <p:nvPr/>
-        </p:nvSpPr>
+        </p:nvPicPr>
+        <p:blipFill>
+          <a:blip r:embed="rId3" cstate="print">
+            <a:extLst>
+              <a:ext uri="{28A0092B-C50C-407E-A947-70E740481C1C}">
+                <a14:useLocalDpi xmlns:a14="http://schemas.microsoft.com/office/drawing/2010/main" val="0"/>
+              </a:ext>
+            </a:extLst>
+          </a:blip>
+          <a:stretch>
+            <a:fillRect/>
+          </a:stretch>
+        </p:blipFill>
         <p:spPr>
           <a:xfrm>
-            <a:off x="5148064" y="1412776"/>
-            <a:ext cx="3168352" cy="3744416"/>
+            <a:off x="5868144" y="850404"/>
+            <a:ext cx="1889617" cy="5157192"/>
           </a:xfrm>
           <a:prstGeom prst="rect">
             <a:avLst/>
           </a:prstGeom>
         </p:spPr>
-        <p:style>
-          <a:lnRef idx="2">
-            <a:schemeClr val="accent1">
-              <a:shade val="50000"/>
-            </a:schemeClr>
-          </a:lnRef>
-          <a:fillRef idx="1">
-            <a:schemeClr val="accent1"/>
-          </a:fillRef>
-          <a:effectRef idx="0">
-            <a:schemeClr val="accent1"/>
-          </a:effectRef>
-          <a:fontRef idx="minor">
-            <a:schemeClr val="lt1"/>
-          </a:fontRef>
-        </p:style>
-        <p:txBody>
-          <a:bodyPr rtlCol="0" anchor="ctr"/>
-          <a:lstStyle/>
-          <a:p>
-            <a:pPr algn="ctr"/>
-            <a:r>
-              <a:rPr lang="zh-CN" altLang="en-US" dirty="0">
-                <a:solidFill>
-                  <a:schemeClr val="tx2"/>
-                </a:solidFill>
-              </a:rPr>
-              <a:t>近期清晰全身生活照一张</a:t>
-            </a:r>
-            <a:endParaRPr lang="en-US" altLang="zh-CN" dirty="0">
-              <a:solidFill>
-                <a:schemeClr val="tx2"/>
-              </a:solidFill>
-            </a:endParaRPr>
-          </a:p>
-          <a:p>
-            <a:pPr algn="ctr"/>
-            <a:r>
-              <a:rPr lang="zh-CN" altLang="en-US" dirty="0">
-                <a:solidFill>
-                  <a:schemeClr val="tx2"/>
-                </a:solidFill>
-              </a:rPr>
-              <a:t>（请不要用艺术照）</a:t>
-            </a:r>
-          </a:p>
-        </p:txBody>
-      </p:sp>
+      </p:pic>
     </p:spTree>
   </p:cSld>
   <p:clrMapOvr>
